--- a/14_PiloteAutomatique/Figures.pptx
+++ b/14_PiloteAutomatique/Figures.pptx
@@ -7,6 +7,9 @@
   <p:sldIdLst>
     <p:sldId id="256" r:id="rId2"/>
     <p:sldId id="257" r:id="rId3"/>
+    <p:sldId id="258" r:id="rId4"/>
+    <p:sldId id="259" r:id="rId5"/>
+    <p:sldId id="260" r:id="rId6"/>
   </p:sldIdLst>
   <p:sldSz cx="12192000" cy="6858000"/>
   <p:notesSz cx="6858000" cy="9144000"/>
@@ -3104,6 +3107,559 @@
 </p:sld>
 </file>
 
+<file path=ppt/slides/slide3.xml><?xml version="1.0" encoding="utf-8"?>
+<p:sld xmlns:a="http://schemas.openxmlformats.org/drawingml/2006/main" xmlns:r="http://schemas.openxmlformats.org/officeDocument/2006/relationships" xmlns:p="http://schemas.openxmlformats.org/presentationml/2006/main">
+  <p:cSld>
+    <p:spTree>
+      <p:nvGrpSpPr>
+        <p:cNvPr id="1" name=""/>
+        <p:cNvGrpSpPr/>
+        <p:nvPr/>
+      </p:nvGrpSpPr>
+      <p:grpSpPr>
+        <a:xfrm>
+          <a:off x="0" y="0"/>
+          <a:ext cx="0" cy="0"/>
+          <a:chOff x="0" y="0"/>
+          <a:chExt cx="0" cy="0"/>
+        </a:xfrm>
+      </p:grpSpPr>
+      <p:sp>
+        <p:nvSpPr>
+          <p:cNvPr id="2" name="Titre 1"/>
+          <p:cNvSpPr>
+            <a:spLocks noGrp="1"/>
+          </p:cNvSpPr>
+          <p:nvPr>
+            <p:ph type="title"/>
+          </p:nvPr>
+        </p:nvSpPr>
+        <p:spPr/>
+        <p:txBody>
+          <a:bodyPr/>
+          <a:lstStyle/>
+          <a:p>
+            <a:endParaRPr lang="fr-FR"/>
+          </a:p>
+        </p:txBody>
+      </p:sp>
+      <p:pic>
+        <p:nvPicPr>
+          <p:cNvPr id="4" name="Image 3"/>
+          <p:cNvPicPr>
+            <a:picLocks noChangeAspect="1"/>
+          </p:cNvPicPr>
+          <p:nvPr/>
+        </p:nvPicPr>
+        <p:blipFill>
+          <a:blip r:embed="rId2"/>
+          <a:stretch>
+            <a:fillRect/>
+          </a:stretch>
+        </p:blipFill>
+        <p:spPr>
+          <a:xfrm>
+            <a:off x="2769846" y="1988520"/>
+            <a:ext cx="5125165" cy="4163006"/>
+          </a:xfrm>
+          <a:prstGeom prst="rect">
+            <a:avLst/>
+          </a:prstGeom>
+        </p:spPr>
+      </p:pic>
+      <p:sp>
+        <p:nvSpPr>
+          <p:cNvPr id="5" name="Ellipse 4"/>
+          <p:cNvSpPr/>
+          <p:nvPr/>
+        </p:nvSpPr>
+        <p:spPr>
+          <a:xfrm>
+            <a:off x="7041823" y="4117158"/>
+            <a:ext cx="490194" cy="490194"/>
+          </a:xfrm>
+          <a:prstGeom prst="ellipse">
+            <a:avLst/>
+          </a:prstGeom>
+          <a:noFill/>
+          <a:ln w="38100">
+            <a:solidFill>
+              <a:srgbClr val="C00000"/>
+            </a:solidFill>
+          </a:ln>
+        </p:spPr>
+        <p:style>
+          <a:lnRef idx="2">
+            <a:schemeClr val="accent1">
+              <a:shade val="50000"/>
+            </a:schemeClr>
+          </a:lnRef>
+          <a:fillRef idx="1">
+            <a:schemeClr val="accent1"/>
+          </a:fillRef>
+          <a:effectRef idx="0">
+            <a:schemeClr val="accent1"/>
+          </a:effectRef>
+          <a:fontRef idx="minor">
+            <a:schemeClr val="lt1"/>
+          </a:fontRef>
+        </p:style>
+        <p:txBody>
+          <a:bodyPr rtlCol="0" anchor="ctr"/>
+          <a:lstStyle/>
+          <a:p>
+            <a:pPr algn="ctr"/>
+            <a:endParaRPr lang="fr-FR"/>
+          </a:p>
+        </p:txBody>
+      </p:sp>
+    </p:spTree>
+    <p:extLst>
+      <p:ext uri="{BB962C8B-B14F-4D97-AF65-F5344CB8AC3E}">
+        <p14:creationId xmlns:p14="http://schemas.microsoft.com/office/powerpoint/2010/main" val="3312946796"/>
+      </p:ext>
+    </p:extLst>
+  </p:cSld>
+  <p:clrMapOvr>
+    <a:masterClrMapping/>
+  </p:clrMapOvr>
+</p:sld>
+</file>
+
+<file path=ppt/slides/slide4.xml><?xml version="1.0" encoding="utf-8"?>
+<p:sld xmlns:a="http://schemas.openxmlformats.org/drawingml/2006/main" xmlns:r="http://schemas.openxmlformats.org/officeDocument/2006/relationships" xmlns:p="http://schemas.openxmlformats.org/presentationml/2006/main">
+  <p:cSld>
+    <p:spTree>
+      <p:nvGrpSpPr>
+        <p:cNvPr id="1" name=""/>
+        <p:cNvGrpSpPr/>
+        <p:nvPr/>
+      </p:nvGrpSpPr>
+      <p:grpSpPr>
+        <a:xfrm>
+          <a:off x="0" y="0"/>
+          <a:ext cx="0" cy="0"/>
+          <a:chOff x="0" y="0"/>
+          <a:chExt cx="0" cy="0"/>
+        </a:xfrm>
+      </p:grpSpPr>
+      <p:sp>
+        <p:nvSpPr>
+          <p:cNvPr id="2" name="Titre 1"/>
+          <p:cNvSpPr>
+            <a:spLocks noGrp="1"/>
+          </p:cNvSpPr>
+          <p:nvPr>
+            <p:ph type="title"/>
+          </p:nvPr>
+        </p:nvSpPr>
+        <p:spPr/>
+        <p:txBody>
+          <a:bodyPr/>
+          <a:lstStyle/>
+          <a:p>
+            <a:endParaRPr lang="fr-FR"/>
+          </a:p>
+        </p:txBody>
+      </p:sp>
+      <p:pic>
+        <p:nvPicPr>
+          <p:cNvPr id="4" name="Image 3" descr="AP16_FRONT.JPG"/>
+          <p:cNvPicPr/>
+          <p:nvPr/>
+        </p:nvPicPr>
+        <p:blipFill>
+          <a:blip r:embed="rId2">
+            <a:extLst>
+              <a:ext uri="{28A0092B-C50C-407E-A947-70E740481C1C}">
+                <a14:useLocalDpi xmlns:a14="http://schemas.microsoft.com/office/drawing/2010/main" val="0"/>
+              </a:ext>
+            </a:extLst>
+          </a:blip>
+          <a:srcRect l="47588" t="67973" r="17886" b="10104"/>
+          <a:stretch>
+            <a:fillRect/>
+          </a:stretch>
+        </p:blipFill>
+        <p:spPr bwMode="auto">
+          <a:xfrm>
+            <a:off x="5674360" y="3161665"/>
+            <a:ext cx="843280" cy="534670"/>
+          </a:xfrm>
+          <a:prstGeom prst="rect">
+            <a:avLst/>
+          </a:prstGeom>
+          <a:noFill/>
+          <a:ln>
+            <a:noFill/>
+          </a:ln>
+        </p:spPr>
+      </p:pic>
+      <p:sp>
+        <p:nvSpPr>
+          <p:cNvPr id="5" name="Oval 45"/>
+          <p:cNvSpPr>
+            <a:spLocks noChangeArrowheads="1"/>
+          </p:cNvSpPr>
+          <p:nvPr/>
+        </p:nvSpPr>
+        <p:spPr bwMode="auto">
+          <a:xfrm>
+            <a:off x="6096000" y="3158490"/>
+            <a:ext cx="294005" cy="270510"/>
+          </a:xfrm>
+          <a:prstGeom prst="ellipse">
+            <a:avLst/>
+          </a:prstGeom>
+          <a:noFill/>
+          <a:ln w="25400">
+            <a:solidFill>
+              <a:srgbClr val="C00000"/>
+            </a:solidFill>
+            <a:round/>
+            <a:headEnd/>
+            <a:tailEnd/>
+          </a:ln>
+          <a:extLst>
+            <a:ext uri="{909E8E84-426E-40DD-AFC4-6F175D3DCCD1}">
+              <a14:hiddenFill xmlns:a14="http://schemas.microsoft.com/office/drawing/2010/main">
+                <a:solidFill>
+                  <a:srgbClr val="FFFFFF"/>
+                </a:solidFill>
+              </a14:hiddenFill>
+            </a:ext>
+          </a:extLst>
+        </p:spPr>
+        <p:txBody>
+          <a:bodyPr rot="0" vert="horz" wrap="square" lIns="91440" tIns="45720" rIns="91440" bIns="45720" anchor="t" anchorCtr="0" upright="1">
+            <a:noAutofit/>
+          </a:bodyPr>
+          <a:lstStyle/>
+          <a:p>
+            <a:endParaRPr lang="fr-FR"/>
+          </a:p>
+        </p:txBody>
+      </p:sp>
+      <p:sp>
+        <p:nvSpPr>
+          <p:cNvPr id="6" name="Oval 45"/>
+          <p:cNvSpPr>
+            <a:spLocks noChangeArrowheads="1"/>
+          </p:cNvSpPr>
+          <p:nvPr/>
+        </p:nvSpPr>
+        <p:spPr bwMode="auto">
+          <a:xfrm>
+            <a:off x="5779604" y="3158490"/>
+            <a:ext cx="294005" cy="270510"/>
+          </a:xfrm>
+          <a:prstGeom prst="ellipse">
+            <a:avLst/>
+          </a:prstGeom>
+          <a:noFill/>
+          <a:ln w="25400">
+            <a:solidFill>
+              <a:srgbClr val="C00000"/>
+            </a:solidFill>
+            <a:round/>
+            <a:headEnd/>
+            <a:tailEnd/>
+          </a:ln>
+          <a:extLst>
+            <a:ext uri="{909E8E84-426E-40DD-AFC4-6F175D3DCCD1}">
+              <a14:hiddenFill xmlns:a14="http://schemas.microsoft.com/office/drawing/2010/main">
+                <a:solidFill>
+                  <a:srgbClr val="FFFFFF"/>
+                </a:solidFill>
+              </a14:hiddenFill>
+            </a:ext>
+          </a:extLst>
+        </p:spPr>
+        <p:txBody>
+          <a:bodyPr rot="0" vert="horz" wrap="square" lIns="91440" tIns="45720" rIns="91440" bIns="45720" anchor="t" anchorCtr="0" upright="1">
+            <a:noAutofit/>
+          </a:bodyPr>
+          <a:lstStyle/>
+          <a:p>
+            <a:endParaRPr lang="fr-FR"/>
+          </a:p>
+        </p:txBody>
+      </p:sp>
+      <p:cxnSp>
+        <p:nvCxnSpPr>
+          <p:cNvPr id="8" name="AutoShape 40"/>
+          <p:cNvCxnSpPr>
+            <a:cxnSpLocks noChangeShapeType="1"/>
+          </p:cNvCxnSpPr>
+          <p:nvPr/>
+        </p:nvCxnSpPr>
+        <p:spPr bwMode="auto">
+          <a:xfrm flipV="1">
+            <a:off x="5511491" y="3429001"/>
+            <a:ext cx="268113" cy="267334"/>
+          </a:xfrm>
+          <a:prstGeom prst="straightConnector1">
+            <a:avLst/>
+          </a:prstGeom>
+          <a:noFill/>
+          <a:ln w="25400">
+            <a:solidFill>
+              <a:srgbClr val="C00000"/>
+            </a:solidFill>
+            <a:round/>
+            <a:headEnd/>
+            <a:tailEnd type="arrow" w="med" len="med"/>
+          </a:ln>
+          <a:extLst>
+            <a:ext uri="{909E8E84-426E-40DD-AFC4-6F175D3DCCD1}">
+              <a14:hiddenFill xmlns:a14="http://schemas.microsoft.com/office/drawing/2010/main">
+                <a:noFill/>
+              </a14:hiddenFill>
+            </a:ext>
+          </a:extLst>
+        </p:spPr>
+      </p:cxnSp>
+      <p:cxnSp>
+        <p:nvCxnSpPr>
+          <p:cNvPr id="9" name="AutoShape 40"/>
+          <p:cNvCxnSpPr>
+            <a:cxnSpLocks noChangeShapeType="1"/>
+          </p:cNvCxnSpPr>
+          <p:nvPr/>
+        </p:nvCxnSpPr>
+        <p:spPr bwMode="auto">
+          <a:xfrm flipV="1">
+            <a:off x="5854045" y="3429001"/>
+            <a:ext cx="350622" cy="349602"/>
+          </a:xfrm>
+          <a:prstGeom prst="straightConnector1">
+            <a:avLst/>
+          </a:prstGeom>
+          <a:noFill/>
+          <a:ln w="25400">
+            <a:solidFill>
+              <a:srgbClr val="C00000"/>
+            </a:solidFill>
+            <a:round/>
+            <a:headEnd/>
+            <a:tailEnd type="arrow" w="med" len="med"/>
+          </a:ln>
+          <a:extLst>
+            <a:ext uri="{909E8E84-426E-40DD-AFC4-6F175D3DCCD1}">
+              <a14:hiddenFill xmlns:a14="http://schemas.microsoft.com/office/drawing/2010/main">
+                <a:noFill/>
+              </a14:hiddenFill>
+            </a:ext>
+          </a:extLst>
+        </p:spPr>
+      </p:cxnSp>
+      <p:pic>
+        <p:nvPicPr>
+          <p:cNvPr id="15" name="Image 14"/>
+          <p:cNvPicPr>
+            <a:picLocks noChangeAspect="1"/>
+          </p:cNvPicPr>
+          <p:nvPr/>
+        </p:nvPicPr>
+        <p:blipFill rotWithShape="1">
+          <a:blip r:embed="rId3" cstate="print">
+            <a:extLst>
+              <a:ext uri="{28A0092B-C50C-407E-A947-70E740481C1C}">
+                <a14:useLocalDpi xmlns:a14="http://schemas.microsoft.com/office/drawing/2010/main" val="0"/>
+              </a:ext>
+            </a:extLst>
+          </a:blip>
+          <a:srcRect t="15289" r="9137" b="24968"/>
+          <a:stretch/>
+        </p:blipFill>
+        <p:spPr>
+          <a:xfrm rot="5400000">
+            <a:off x="2055042" y="2837470"/>
+            <a:ext cx="3421929" cy="1687398"/>
+          </a:xfrm>
+          <a:prstGeom prst="rect">
+            <a:avLst/>
+          </a:prstGeom>
+        </p:spPr>
+      </p:pic>
+    </p:spTree>
+    <p:extLst>
+      <p:ext uri="{BB962C8B-B14F-4D97-AF65-F5344CB8AC3E}">
+        <p14:creationId xmlns:p14="http://schemas.microsoft.com/office/powerpoint/2010/main" val="1329913651"/>
+      </p:ext>
+    </p:extLst>
+  </p:cSld>
+  <p:clrMapOvr>
+    <a:masterClrMapping/>
+  </p:clrMapOvr>
+</p:sld>
+</file>
+
+<file path=ppt/slides/slide5.xml><?xml version="1.0" encoding="utf-8"?>
+<p:sld xmlns:a="http://schemas.openxmlformats.org/drawingml/2006/main" xmlns:r="http://schemas.openxmlformats.org/officeDocument/2006/relationships" xmlns:p="http://schemas.openxmlformats.org/presentationml/2006/main">
+  <p:cSld>
+    <p:spTree>
+      <p:nvGrpSpPr>
+        <p:cNvPr id="1" name=""/>
+        <p:cNvGrpSpPr/>
+        <p:nvPr/>
+      </p:nvGrpSpPr>
+      <p:grpSpPr>
+        <a:xfrm>
+          <a:off x="0" y="0"/>
+          <a:ext cx="0" cy="0"/>
+          <a:chOff x="0" y="0"/>
+          <a:chExt cx="0" cy="0"/>
+        </a:xfrm>
+      </p:grpSpPr>
+      <p:sp>
+        <p:nvSpPr>
+          <p:cNvPr id="2" name="Titre 1"/>
+          <p:cNvSpPr>
+            <a:spLocks noGrp="1"/>
+          </p:cNvSpPr>
+          <p:nvPr>
+            <p:ph type="title"/>
+          </p:nvPr>
+        </p:nvSpPr>
+        <p:spPr/>
+        <p:txBody>
+          <a:bodyPr/>
+          <a:lstStyle/>
+          <a:p>
+            <a:endParaRPr lang="fr-FR"/>
+          </a:p>
+        </p:txBody>
+      </p:sp>
+      <p:pic>
+        <p:nvPicPr>
+          <p:cNvPr id="4" name="Espace réservé du contenu 3"/>
+          <p:cNvPicPr>
+            <a:picLocks noGrp="1"/>
+          </p:cNvPicPr>
+          <p:nvPr>
+            <p:ph idx="1"/>
+          </p:nvPr>
+        </p:nvPicPr>
+        <p:blipFill>
+          <a:blip r:embed="rId2"/>
+          <a:stretch>
+            <a:fillRect/>
+          </a:stretch>
+        </p:blipFill>
+        <p:spPr>
+          <a:xfrm>
+            <a:off x="3208577" y="1831202"/>
+            <a:ext cx="5668166" cy="4248743"/>
+          </a:xfrm>
+          <a:prstGeom prst="rect">
+            <a:avLst/>
+          </a:prstGeom>
+        </p:spPr>
+      </p:pic>
+      <p:sp>
+        <p:nvSpPr>
+          <p:cNvPr id="5" name="Oval 45"/>
+          <p:cNvSpPr>
+            <a:spLocks noChangeArrowheads="1"/>
+          </p:cNvSpPr>
+          <p:nvPr/>
+        </p:nvSpPr>
+        <p:spPr bwMode="auto">
+          <a:xfrm>
+            <a:off x="4671061" y="2106930"/>
+            <a:ext cx="227750" cy="209550"/>
+          </a:xfrm>
+          <a:prstGeom prst="ellipse">
+            <a:avLst/>
+          </a:prstGeom>
+          <a:noFill/>
+          <a:ln w="25400">
+            <a:solidFill>
+              <a:srgbClr val="C00000"/>
+            </a:solidFill>
+            <a:round/>
+            <a:headEnd/>
+            <a:tailEnd/>
+          </a:ln>
+          <a:extLst>
+            <a:ext uri="{909E8E84-426E-40DD-AFC4-6F175D3DCCD1}">
+              <a14:hiddenFill xmlns:a14="http://schemas.microsoft.com/office/drawing/2010/main">
+                <a:solidFill>
+                  <a:srgbClr val="FFFFFF"/>
+                </a:solidFill>
+              </a14:hiddenFill>
+            </a:ext>
+          </a:extLst>
+        </p:spPr>
+        <p:txBody>
+          <a:bodyPr rot="0" vert="horz" wrap="square" lIns="91440" tIns="45720" rIns="91440" bIns="45720" anchor="t" anchorCtr="0" upright="1">
+            <a:noAutofit/>
+          </a:bodyPr>
+          <a:lstStyle/>
+          <a:p>
+            <a:endParaRPr lang="fr-FR"/>
+          </a:p>
+        </p:txBody>
+      </p:sp>
+      <p:sp>
+        <p:nvSpPr>
+          <p:cNvPr id="7" name="Oval 45"/>
+          <p:cNvSpPr>
+            <a:spLocks noChangeArrowheads="1"/>
+          </p:cNvSpPr>
+          <p:nvPr/>
+        </p:nvSpPr>
+        <p:spPr bwMode="auto">
+          <a:xfrm>
+            <a:off x="4898811" y="2106930"/>
+            <a:ext cx="227750" cy="209550"/>
+          </a:xfrm>
+          <a:prstGeom prst="ellipse">
+            <a:avLst/>
+          </a:prstGeom>
+          <a:noFill/>
+          <a:ln w="25400">
+            <a:solidFill>
+              <a:srgbClr val="C00000"/>
+            </a:solidFill>
+            <a:round/>
+            <a:headEnd/>
+            <a:tailEnd/>
+          </a:ln>
+          <a:extLst>
+            <a:ext uri="{909E8E84-426E-40DD-AFC4-6F175D3DCCD1}">
+              <a14:hiddenFill xmlns:a14="http://schemas.microsoft.com/office/drawing/2010/main">
+                <a:solidFill>
+                  <a:srgbClr val="FFFFFF"/>
+                </a:solidFill>
+              </a14:hiddenFill>
+            </a:ext>
+          </a:extLst>
+        </p:spPr>
+        <p:txBody>
+          <a:bodyPr rot="0" vert="horz" wrap="square" lIns="91440" tIns="45720" rIns="91440" bIns="45720" anchor="t" anchorCtr="0" upright="1">
+            <a:noAutofit/>
+          </a:bodyPr>
+          <a:lstStyle/>
+          <a:p>
+            <a:endParaRPr lang="fr-FR"/>
+          </a:p>
+        </p:txBody>
+      </p:sp>
+    </p:spTree>
+    <p:extLst>
+      <p:ext uri="{BB962C8B-B14F-4D97-AF65-F5344CB8AC3E}">
+        <p14:creationId xmlns:p14="http://schemas.microsoft.com/office/powerpoint/2010/main" val="1262231242"/>
+      </p:ext>
+    </p:extLst>
+  </p:cSld>
+  <p:clrMapOvr>
+    <a:masterClrMapping/>
+  </p:clrMapOvr>
+</p:sld>
+</file>
+
 <file path=ppt/theme/theme1.xml><?xml version="1.0" encoding="utf-8"?>
 <a:theme xmlns:a="http://schemas.openxmlformats.org/drawingml/2006/main" name="Thème Office">
   <a:themeElements>
